--- a/InteligenciaArtificial/Proyecto_Final_JorgeGaete.pptx
+++ b/InteligenciaArtificial/Proyecto_Final_JorgeGaete.pptx
@@ -233,7 +233,7 @@
           <a:p>
             <a:fld id="{CCA390E3-BB12-AA41-842E-54CB71578BE8}" type="datetimeFigureOut">
               <a:rPr lang="es-CL" smtClean="0"/>
-              <a:t>12-12-2025</a:t>
+              <a:t>16-12-2025</a:t>
             </a:fld>
             <a:endParaRPr lang="es-CL"/>
           </a:p>
@@ -410,7 +410,7 @@
           <a:p>
             <a:fld id="{8068834E-DECA-374F-B918-F97D1C07DD57}" type="datetimeFigureOut">
               <a:rPr lang="es-CL" smtClean="0"/>
-              <a:t>12-12-2025</a:t>
+              <a:t>16-12-2025</a:t>
             </a:fld>
             <a:endParaRPr lang="es-CL"/>
           </a:p>
@@ -1491,7 +1491,7 @@
           <a:p>
             <a:fld id="{74267430-99BF-4353-AA10-F03BDF83D10D}" type="datetimeFigureOut">
               <a:rPr lang="es-CL" smtClean="0"/>
-              <a:t>12-12-2025</a:t>
+              <a:t>16-12-2025</a:t>
             </a:fld>
             <a:endParaRPr lang="es-CL"/>
           </a:p>
@@ -3790,7 +3790,31 @@
                 <a:cs typeface="Play"/>
                 <a:sym typeface="Play"/>
               </a:rPr>
-              <a:t>Aprende la estrutura normal</a:t>
+              <a:t>Aprende la </a:t>
+            </a:r>
+            <a:r>
+              <a:rPr lang="pt-BR" sz="1400" dirty="0" err="1">
+                <a:solidFill>
+                  <a:srgbClr val="606163"/>
+                </a:solidFill>
+                <a:latin typeface="Play"/>
+                <a:ea typeface="Play"/>
+                <a:cs typeface="Play"/>
+                <a:sym typeface="Play"/>
+              </a:rPr>
+              <a:t>estructura</a:t>
+            </a:r>
+            <a:r>
+              <a:rPr lang="pt-BR" sz="1400" dirty="0">
+                <a:solidFill>
+                  <a:srgbClr val="606163"/>
+                </a:solidFill>
+                <a:latin typeface="Play"/>
+                <a:ea typeface="Play"/>
+                <a:cs typeface="Play"/>
+                <a:sym typeface="Play"/>
+              </a:rPr>
+              <a:t> normal</a:t>
             </a:r>
           </a:p>
           <a:p>
@@ -7319,15 +7343,6 @@
 </file>
 
 <file path=customXml/item1.xml><?xml version="1.0" encoding="utf-8"?>
-<?mso-contentType ?>
-<FormTemplates xmlns="http://schemas.microsoft.com/sharepoint/v3/contenttype/forms">
-  <Display>DocumentLibraryForm</Display>
-  <Edit>DocumentLibraryForm</Edit>
-  <New>DocumentLibraryForm</New>
-</FormTemplates>
-</file>
-
-<file path=customXml/item2.xml><?xml version="1.0" encoding="utf-8"?>
 <ct:contentTypeSchema xmlns:ct="http://schemas.microsoft.com/office/2006/metadata/contentType" xmlns:ma="http://schemas.microsoft.com/office/2006/metadata/properties/metaAttributes" ct:_="" ma:_="" ma:contentTypeName="Documento" ma:contentTypeID="0x0101007509FA3A39657C40AFC0F8306931B1B0" ma:contentTypeVersion="14" ma:contentTypeDescription="Crear nuevo documento." ma:contentTypeScope="" ma:versionID="f9ec264a2873d1824ab8ac9ce2922d53">
   <xsd:schema xmlns:xsd="http://www.w3.org/2001/XMLSchema" xmlns:xs="http://www.w3.org/2001/XMLSchema" xmlns:p="http://schemas.microsoft.com/office/2006/metadata/properties" xmlns:ns2="cce4e3ee-c2a2-4c7a-918b-b127e3132eda" xmlns:ns3="2e5e97ba-1964-4273-b2a7-681533174bc3" targetNamespace="http://schemas.microsoft.com/office/2006/metadata/properties" ma:root="true" ma:fieldsID="8e6115079ec1d747942f7c13d6f615c3" ns2:_="" ns3:_="">
     <xsd:import namespace="cce4e3ee-c2a2-4c7a-918b-b127e3132eda"/>
@@ -7540,6 +7555,15 @@
 </ct:contentTypeSchema>
 </file>
 
+<file path=customXml/item2.xml><?xml version="1.0" encoding="utf-8"?>
+<?mso-contentType ?>
+<FormTemplates xmlns="http://schemas.microsoft.com/sharepoint/v3/contenttype/forms">
+  <Display>DocumentLibraryForm</Display>
+  <Edit>DocumentLibraryForm</Edit>
+  <New>DocumentLibraryForm</New>
+</FormTemplates>
+</file>
+
 <file path=customXml/item3.xml><?xml version="1.0" encoding="utf-8"?>
 <p:properties xmlns:p="http://schemas.microsoft.com/office/2006/metadata/properties" xmlns:xsi="http://www.w3.org/2001/XMLSchema-instance" xmlns:pc="http://schemas.microsoft.com/office/infopath/2007/PartnerControls">
   <documentManagement>
@@ -7552,14 +7576,6 @@
 </file>
 
 <file path=customXml/itemProps1.xml><?xml version="1.0" encoding="utf-8"?>
-<ds:datastoreItem xmlns:ds="http://schemas.openxmlformats.org/officeDocument/2006/customXml" ds:itemID="{8CB3832C-9E2E-40B1-AE53-6ADECBB67B75}">
-  <ds:schemaRefs>
-    <ds:schemaRef ds:uri="http://schemas.microsoft.com/sharepoint/v3/contenttype/forms"/>
-  </ds:schemaRefs>
-</ds:datastoreItem>
-</file>
-
-<file path=customXml/itemProps2.xml><?xml version="1.0" encoding="utf-8"?>
 <ds:datastoreItem xmlns:ds="http://schemas.openxmlformats.org/officeDocument/2006/customXml" ds:itemID="{9D454844-9F6F-4AF0-B53E-D90A930EE11C}">
   <ds:schemaRefs>
     <ds:schemaRef ds:uri="http://schemas.microsoft.com/office/2006/metadata/contentType"/>
@@ -7574,6 +7590,14 @@
     <ds:schemaRef ds:uri="http://purl.org/dc/elements/1.1/"/>
     <ds:schemaRef ds:uri="http://purl.org/dc/terms/"/>
     <ds:schemaRef ds:uri="http://schemas.microsoft.com/internal/obd"/>
+  </ds:schemaRefs>
+</ds:datastoreItem>
+</file>
+
+<file path=customXml/itemProps2.xml><?xml version="1.0" encoding="utf-8"?>
+<ds:datastoreItem xmlns:ds="http://schemas.openxmlformats.org/officeDocument/2006/customXml" ds:itemID="{8CB3832C-9E2E-40B1-AE53-6ADECBB67B75}">
+  <ds:schemaRefs>
+    <ds:schemaRef ds:uri="http://schemas.microsoft.com/sharepoint/v3/contenttype/forms"/>
   </ds:schemaRefs>
 </ds:datastoreItem>
 </file>
